--- a/Doc/images/Presentazione standard2.pptx
+++ b/Doc/images/Presentazione standard2.pptx
@@ -104,6 +104,11 @@
       </a:defRPr>
     </a:lvl9pPr>
   </p:defaultTextStyle>
+  <p:extLst>
+    <p:ext uri="{EFAFB233-063F-42B5-8137-9DF3F51BA10A}">
+      <p15:sldGuideLst xmlns:p15="http://schemas.microsoft.com/office/powerpoint/2012/main"/>
+    </p:ext>
+  </p:extLst>
 </p:presentation>
 </file>
 
@@ -254,7 +259,7 @@
           <a:p>
             <a:fld id="{DE8A78D5-F086-4A90-B774-C3F3E480B36C}" type="datetimeFigureOut">
               <a:rPr lang="it-IT" smtClean="0"/>
-              <a:t>07/03/2019</a:t>
+              <a:t>08/03/2019</a:t>
             </a:fld>
             <a:endParaRPr lang="it-IT"/>
           </a:p>
@@ -452,7 +457,7 @@
           <a:p>
             <a:fld id="{DE8A78D5-F086-4A90-B774-C3F3E480B36C}" type="datetimeFigureOut">
               <a:rPr lang="it-IT" smtClean="0"/>
-              <a:t>07/03/2019</a:t>
+              <a:t>08/03/2019</a:t>
             </a:fld>
             <a:endParaRPr lang="it-IT"/>
           </a:p>
@@ -660,7 +665,7 @@
           <a:p>
             <a:fld id="{DE8A78D5-F086-4A90-B774-C3F3E480B36C}" type="datetimeFigureOut">
               <a:rPr lang="it-IT" smtClean="0"/>
-              <a:t>07/03/2019</a:t>
+              <a:t>08/03/2019</a:t>
             </a:fld>
             <a:endParaRPr lang="it-IT"/>
           </a:p>
@@ -858,7 +863,7 @@
           <a:p>
             <a:fld id="{DE8A78D5-F086-4A90-B774-C3F3E480B36C}" type="datetimeFigureOut">
               <a:rPr lang="it-IT" smtClean="0"/>
-              <a:t>07/03/2019</a:t>
+              <a:t>08/03/2019</a:t>
             </a:fld>
             <a:endParaRPr lang="it-IT"/>
           </a:p>
@@ -1133,7 +1138,7 @@
           <a:p>
             <a:fld id="{DE8A78D5-F086-4A90-B774-C3F3E480B36C}" type="datetimeFigureOut">
               <a:rPr lang="it-IT" smtClean="0"/>
-              <a:t>07/03/2019</a:t>
+              <a:t>08/03/2019</a:t>
             </a:fld>
             <a:endParaRPr lang="it-IT"/>
           </a:p>
@@ -1398,7 +1403,7 @@
           <a:p>
             <a:fld id="{DE8A78D5-F086-4A90-B774-C3F3E480B36C}" type="datetimeFigureOut">
               <a:rPr lang="it-IT" smtClean="0"/>
-              <a:t>07/03/2019</a:t>
+              <a:t>08/03/2019</a:t>
             </a:fld>
             <a:endParaRPr lang="it-IT"/>
           </a:p>
@@ -1810,7 +1815,7 @@
           <a:p>
             <a:fld id="{DE8A78D5-F086-4A90-B774-C3F3E480B36C}" type="datetimeFigureOut">
               <a:rPr lang="it-IT" smtClean="0"/>
-              <a:t>07/03/2019</a:t>
+              <a:t>08/03/2019</a:t>
             </a:fld>
             <a:endParaRPr lang="it-IT"/>
           </a:p>
@@ -1951,7 +1956,7 @@
           <a:p>
             <a:fld id="{DE8A78D5-F086-4A90-B774-C3F3E480B36C}" type="datetimeFigureOut">
               <a:rPr lang="it-IT" smtClean="0"/>
-              <a:t>07/03/2019</a:t>
+              <a:t>08/03/2019</a:t>
             </a:fld>
             <a:endParaRPr lang="it-IT"/>
           </a:p>
@@ -2064,7 +2069,7 @@
           <a:p>
             <a:fld id="{DE8A78D5-F086-4A90-B774-C3F3E480B36C}" type="datetimeFigureOut">
               <a:rPr lang="it-IT" smtClean="0"/>
-              <a:t>07/03/2019</a:t>
+              <a:t>08/03/2019</a:t>
             </a:fld>
             <a:endParaRPr lang="it-IT"/>
           </a:p>
@@ -2375,7 +2380,7 @@
           <a:p>
             <a:fld id="{DE8A78D5-F086-4A90-B774-C3F3E480B36C}" type="datetimeFigureOut">
               <a:rPr lang="it-IT" smtClean="0"/>
-              <a:t>07/03/2019</a:t>
+              <a:t>08/03/2019</a:t>
             </a:fld>
             <a:endParaRPr lang="it-IT"/>
           </a:p>
@@ -2663,7 +2668,7 @@
           <a:p>
             <a:fld id="{DE8A78D5-F086-4A90-B774-C3F3E480B36C}" type="datetimeFigureOut">
               <a:rPr lang="it-IT" smtClean="0"/>
-              <a:t>07/03/2019</a:t>
+              <a:t>08/03/2019</a:t>
             </a:fld>
             <a:endParaRPr lang="it-IT"/>
           </a:p>
@@ -2904,7 +2909,7 @@
           <a:p>
             <a:fld id="{DE8A78D5-F086-4A90-B774-C3F3E480B36C}" type="datetimeFigureOut">
               <a:rPr lang="it-IT" smtClean="0"/>
-              <a:t>07/03/2019</a:t>
+              <a:t>08/03/2019</a:t>
             </a:fld>
             <a:endParaRPr lang="it-IT"/>
           </a:p>
@@ -3335,7 +3340,7 @@
         </p:nvSpPr>
         <p:spPr>
           <a:xfrm>
-            <a:off x="5943594" y="1911943"/>
+            <a:off x="6433119" y="1911943"/>
             <a:ext cx="378689" cy="378693"/>
           </a:xfrm>
           <a:prstGeom prst="ellipse">
@@ -3390,7 +3395,7 @@
         </p:nvSpPr>
         <p:spPr>
           <a:xfrm>
-            <a:off x="932865" y="5347865"/>
+            <a:off x="877447" y="4571975"/>
             <a:ext cx="1560945" cy="738909"/>
           </a:xfrm>
           <a:prstGeom prst="roundRect">
@@ -3455,7 +3460,7 @@
         </p:nvSpPr>
         <p:spPr>
           <a:xfrm>
-            <a:off x="3532902" y="5347864"/>
+            <a:off x="3477484" y="4571974"/>
             <a:ext cx="1560945" cy="738909"/>
           </a:xfrm>
           <a:prstGeom prst="roundRect">
@@ -3510,7 +3515,7 @@
         </p:nvSpPr>
         <p:spPr>
           <a:xfrm>
-            <a:off x="6132939" y="5384808"/>
+            <a:off x="6096000" y="4091687"/>
             <a:ext cx="1634835" cy="738909"/>
           </a:xfrm>
           <a:prstGeom prst="roundRect">
@@ -3565,7 +3570,7 @@
         </p:nvSpPr>
         <p:spPr>
           <a:xfrm>
-            <a:off x="8806866" y="5347863"/>
+            <a:off x="6077521" y="5116918"/>
             <a:ext cx="2165926" cy="738909"/>
           </a:xfrm>
           <a:prstGeom prst="roundRect">
@@ -3685,7 +3690,7 @@
         </p:nvSpPr>
         <p:spPr>
           <a:xfrm>
-            <a:off x="3477483" y="2092060"/>
+            <a:off x="3477483" y="2877150"/>
             <a:ext cx="1560945" cy="738909"/>
           </a:xfrm>
           <a:prstGeom prst="roundRect">
@@ -3740,7 +3745,7 @@
         </p:nvSpPr>
         <p:spPr>
           <a:xfrm>
-            <a:off x="6770240" y="1547116"/>
+            <a:off x="7305943" y="1547116"/>
             <a:ext cx="1560945" cy="738909"/>
           </a:xfrm>
           <a:prstGeom prst="roundRect">
@@ -3838,10 +3843,10 @@
       </p:sp>
       <p:sp>
         <p:nvSpPr>
-          <p:cNvPr id="12" name="Rettangolo con angoli arrotondati 11">
-            <a:extLst>
-              <a:ext uri="{FF2B5EF4-FFF2-40B4-BE49-F238E27FC236}">
-                <a16:creationId xmlns:a16="http://schemas.microsoft.com/office/drawing/2014/main" id="{9ADBE5EC-9B02-485E-8177-3B3D7631E8A7}"/>
+          <p:cNvPr id="15" name="Rettangolo con angoli arrotondati 14">
+            <a:extLst>
+              <a:ext uri="{FF2B5EF4-FFF2-40B4-BE49-F238E27FC236}">
+                <a16:creationId xmlns:a16="http://schemas.microsoft.com/office/drawing/2014/main" id="{1DE05CE4-99C1-478D-8991-C25A7088E35D}"/>
               </a:ext>
             </a:extLst>
           </p:cNvPr>
@@ -3850,62 +3855,7 @@
         </p:nvSpPr>
         <p:spPr>
           <a:xfrm>
-            <a:off x="9361041" y="3031863"/>
-            <a:ext cx="1946563" cy="738909"/>
-          </a:xfrm>
-          <a:prstGeom prst="roundRect">
-            <a:avLst/>
-          </a:prstGeom>
-          <a:solidFill>
-            <a:srgbClr val="92D050"/>
-          </a:solidFill>
-        </p:spPr>
-        <p:style>
-          <a:lnRef idx="2">
-            <a:schemeClr val="accent1">
-              <a:shade val="50000"/>
-            </a:schemeClr>
-          </a:lnRef>
-          <a:fillRef idx="1">
-            <a:schemeClr val="accent1"/>
-          </a:fillRef>
-          <a:effectRef idx="0">
-            <a:schemeClr val="accent1"/>
-          </a:effectRef>
-          <a:fontRef idx="minor">
-            <a:schemeClr val="lt1"/>
-          </a:fontRef>
-        </p:style>
-        <p:txBody>
-          <a:bodyPr rtlCol="0" anchor="ctr"/>
-          <a:lstStyle/>
-          <a:p>
-            <a:pPr algn="ctr"/>
-            <a:r>
-              <a:rPr lang="it-IT" sz="2400" dirty="0">
-                <a:latin typeface="Times New Roman" panose="02020603050405020304" pitchFamily="18" charset="0"/>
-                <a:cs typeface="Times New Roman" panose="02020603050405020304" pitchFamily="18" charset="0"/>
-              </a:rPr>
-              <a:t>INTEGRATE</a:t>
-            </a:r>
-          </a:p>
-        </p:txBody>
-      </p:sp>
-      <p:sp>
-        <p:nvSpPr>
-          <p:cNvPr id="13" name="Rettangolo con angoli arrotondati 12">
-            <a:extLst>
-              <a:ext uri="{FF2B5EF4-FFF2-40B4-BE49-F238E27FC236}">
-                <a16:creationId xmlns:a16="http://schemas.microsoft.com/office/drawing/2014/main" id="{115D90A0-215D-4700-B530-425572E53029}"/>
-              </a:ext>
-            </a:extLst>
-          </p:cNvPr>
-          <p:cNvSpPr/>
-          <p:nvPr/>
-        </p:nvSpPr>
-        <p:spPr>
-          <a:xfrm>
-            <a:off x="877447" y="3429001"/>
+            <a:off x="3477482" y="1551780"/>
             <a:ext cx="1560945" cy="738909"/>
           </a:xfrm>
           <a:prstGeom prst="roundRect">
@@ -3941,126 +3891,6 @@
                 <a:latin typeface="Times New Roman" panose="02020603050405020304" pitchFamily="18" charset="0"/>
                 <a:cs typeface="Times New Roman" panose="02020603050405020304" pitchFamily="18" charset="0"/>
               </a:rPr>
-              <a:t>LISTEN</a:t>
-            </a:r>
-          </a:p>
-        </p:txBody>
-      </p:sp>
-      <p:sp>
-        <p:nvSpPr>
-          <p:cNvPr id="14" name="Rettangolo con angoli arrotondati 13">
-            <a:extLst>
-              <a:ext uri="{FF2B5EF4-FFF2-40B4-BE49-F238E27FC236}">
-                <a16:creationId xmlns:a16="http://schemas.microsoft.com/office/drawing/2014/main" id="{4656540F-3F69-4025-A7D8-6F86D33798FD}"/>
-              </a:ext>
-            </a:extLst>
-          </p:cNvPr>
-          <p:cNvSpPr/>
-          <p:nvPr/>
-        </p:nvSpPr>
-        <p:spPr>
-          <a:xfrm>
-            <a:off x="3232719" y="3429000"/>
-            <a:ext cx="2050473" cy="738909"/>
-          </a:xfrm>
-          <a:prstGeom prst="roundRect">
-            <a:avLst/>
-          </a:prstGeom>
-          <a:solidFill>
-            <a:srgbClr val="92D050"/>
-          </a:solidFill>
-        </p:spPr>
-        <p:style>
-          <a:lnRef idx="2">
-            <a:schemeClr val="accent1">
-              <a:shade val="50000"/>
-            </a:schemeClr>
-          </a:lnRef>
-          <a:fillRef idx="1">
-            <a:schemeClr val="accent1"/>
-          </a:fillRef>
-          <a:effectRef idx="0">
-            <a:schemeClr val="accent1"/>
-          </a:effectRef>
-          <a:fontRef idx="minor">
-            <a:schemeClr val="lt1"/>
-          </a:fontRef>
-        </p:style>
-        <p:txBody>
-          <a:bodyPr rtlCol="0" anchor="ctr"/>
-          <a:lstStyle/>
-          <a:p>
-            <a:pPr algn="ctr"/>
-            <a:r>
-              <a:rPr lang="it-IT" sz="2400" dirty="0">
-                <a:latin typeface="Times New Roman" panose="02020603050405020304" pitchFamily="18" charset="0"/>
-                <a:cs typeface="Times New Roman" panose="02020603050405020304" pitchFamily="18" charset="0"/>
-              </a:rPr>
-              <a:t>TERMINATE</a:t>
-            </a:r>
-          </a:p>
-          <a:p>
-            <a:pPr algn="ctr"/>
-            <a:r>
-              <a:rPr lang="it-IT" sz="2400" dirty="0">
-                <a:latin typeface="Times New Roman" panose="02020603050405020304" pitchFamily="18" charset="0"/>
-                <a:cs typeface="Times New Roman" panose="02020603050405020304" pitchFamily="18" charset="0"/>
-              </a:rPr>
-              <a:t>GAME</a:t>
-            </a:r>
-          </a:p>
-        </p:txBody>
-      </p:sp>
-      <p:sp>
-        <p:nvSpPr>
-          <p:cNvPr id="15" name="Rettangolo con angoli arrotondati 14">
-            <a:extLst>
-              <a:ext uri="{FF2B5EF4-FFF2-40B4-BE49-F238E27FC236}">
-                <a16:creationId xmlns:a16="http://schemas.microsoft.com/office/drawing/2014/main" id="{1DE05CE4-99C1-478D-8991-C25A7088E35D}"/>
-              </a:ext>
-            </a:extLst>
-          </p:cNvPr>
-          <p:cNvSpPr/>
-          <p:nvPr/>
-        </p:nvSpPr>
-        <p:spPr>
-          <a:xfrm>
-            <a:off x="3477482" y="1057589"/>
-            <a:ext cx="1560945" cy="738909"/>
-          </a:xfrm>
-          <a:prstGeom prst="roundRect">
-            <a:avLst/>
-          </a:prstGeom>
-          <a:solidFill>
-            <a:srgbClr val="92D050"/>
-          </a:solidFill>
-        </p:spPr>
-        <p:style>
-          <a:lnRef idx="2">
-            <a:schemeClr val="accent1">
-              <a:shade val="50000"/>
-            </a:schemeClr>
-          </a:lnRef>
-          <a:fillRef idx="1">
-            <a:schemeClr val="accent1"/>
-          </a:fillRef>
-          <a:effectRef idx="0">
-            <a:schemeClr val="accent1"/>
-          </a:effectRef>
-          <a:fontRef idx="minor">
-            <a:schemeClr val="lt1"/>
-          </a:fontRef>
-        </p:style>
-        <p:txBody>
-          <a:bodyPr rtlCol="0" anchor="ctr"/>
-          <a:lstStyle/>
-          <a:p>
-            <a:pPr algn="ctr"/>
-            <a:r>
-              <a:rPr lang="it-IT" sz="2400" dirty="0">
-                <a:latin typeface="Times New Roman" panose="02020603050405020304" pitchFamily="18" charset="0"/>
-                <a:cs typeface="Times New Roman" panose="02020603050405020304" pitchFamily="18" charset="0"/>
-              </a:rPr>
               <a:t>FEEL FORCE</a:t>
             </a:r>
           </a:p>
@@ -4080,7 +3910,7 @@
         </p:nvCxnSpPr>
         <p:spPr>
           <a:xfrm>
-            <a:off x="2697018" y="5717317"/>
+            <a:off x="2641600" y="4941427"/>
             <a:ext cx="577264" cy="0"/>
           </a:xfrm>
           <a:prstGeom prst="straightConnector1">
@@ -4107,10 +3937,133 @@
       </p:cxnSp>
       <p:cxnSp>
         <p:nvCxnSpPr>
-          <p:cNvPr id="18" name="Connettore 2 17">
-            <a:extLst>
-              <a:ext uri="{FF2B5EF4-FFF2-40B4-BE49-F238E27FC236}">
-                <a16:creationId xmlns:a16="http://schemas.microsoft.com/office/drawing/2014/main" id="{6031BBF3-0D49-4B43-905F-D7F6A10D3524}"/>
+          <p:cNvPr id="21" name="Connettore 2 20">
+            <a:extLst>
+              <a:ext uri="{FF2B5EF4-FFF2-40B4-BE49-F238E27FC236}">
+                <a16:creationId xmlns:a16="http://schemas.microsoft.com/office/drawing/2014/main" id="{A5CAB46E-0DBF-43BF-B225-4EE8B858908B}"/>
+              </a:ext>
+            </a:extLst>
+          </p:cNvPr>
+          <p:cNvCxnSpPr>
+            <a:cxnSpLocks/>
+          </p:cNvCxnSpPr>
+          <p:nvPr/>
+        </p:nvCxnSpPr>
+        <p:spPr>
+          <a:xfrm flipV="1">
+            <a:off x="9070109" y="1916569"/>
+            <a:ext cx="483740" cy="4665"/>
+          </a:xfrm>
+          <a:prstGeom prst="straightConnector1">
+            <a:avLst/>
+          </a:prstGeom>
+          <a:ln>
+            <a:tailEnd type="triangle"/>
+          </a:ln>
+        </p:spPr>
+        <p:style>
+          <a:lnRef idx="1">
+            <a:schemeClr val="accent1"/>
+          </a:lnRef>
+          <a:fillRef idx="0">
+            <a:schemeClr val="accent1"/>
+          </a:fillRef>
+          <a:effectRef idx="0">
+            <a:schemeClr val="accent1"/>
+          </a:effectRef>
+          <a:fontRef idx="minor">
+            <a:schemeClr val="tx1"/>
+          </a:fontRef>
+        </p:style>
+      </p:cxnSp>
+      <p:cxnSp>
+        <p:nvCxnSpPr>
+          <p:cNvPr id="39" name="Connettore a gomito 38">
+            <a:extLst>
+              <a:ext uri="{FF2B5EF4-FFF2-40B4-BE49-F238E27FC236}">
+                <a16:creationId xmlns:a16="http://schemas.microsoft.com/office/drawing/2014/main" id="{23A5048B-0E78-408D-B8BF-F62F74754CFF}"/>
+              </a:ext>
+            </a:extLst>
+          </p:cNvPr>
+          <p:cNvCxnSpPr>
+            <a:cxnSpLocks/>
+          </p:cNvCxnSpPr>
+          <p:nvPr/>
+        </p:nvCxnSpPr>
+        <p:spPr>
+          <a:xfrm flipV="1">
+            <a:off x="5200061" y="2078178"/>
+            <a:ext cx="1865757" cy="1168426"/>
+          </a:xfrm>
+          <a:prstGeom prst="bentConnector3">
+            <a:avLst>
+              <a:gd name="adj1" fmla="val 50000"/>
+            </a:avLst>
+          </a:prstGeom>
+          <a:ln>
+            <a:tailEnd type="triangle"/>
+          </a:ln>
+        </p:spPr>
+        <p:style>
+          <a:lnRef idx="1">
+            <a:schemeClr val="accent1"/>
+          </a:lnRef>
+          <a:fillRef idx="0">
+            <a:schemeClr val="accent1"/>
+          </a:fillRef>
+          <a:effectRef idx="0">
+            <a:schemeClr val="accent1"/>
+          </a:effectRef>
+          <a:fontRef idx="minor">
+            <a:schemeClr val="tx1"/>
+          </a:fontRef>
+        </p:style>
+      </p:cxnSp>
+      <p:cxnSp>
+        <p:nvCxnSpPr>
+          <p:cNvPr id="3" name="Connettore a gomito 2">
+            <a:extLst>
+              <a:ext uri="{FF2B5EF4-FFF2-40B4-BE49-F238E27FC236}">
+                <a16:creationId xmlns:a16="http://schemas.microsoft.com/office/drawing/2014/main" id="{E2275CD7-7DA8-4F44-B94A-6C12FAAC5D6B}"/>
+              </a:ext>
+            </a:extLst>
+          </p:cNvPr>
+          <p:cNvCxnSpPr/>
+          <p:nvPr/>
+        </p:nvCxnSpPr>
+        <p:spPr>
+          <a:xfrm flipV="1">
+            <a:off x="5209287" y="4470400"/>
+            <a:ext cx="734307" cy="332509"/>
+          </a:xfrm>
+          <a:prstGeom prst="bentConnector3">
+            <a:avLst/>
+          </a:prstGeom>
+          <a:ln>
+            <a:tailEnd type="triangle"/>
+          </a:ln>
+        </p:spPr>
+        <p:style>
+          <a:lnRef idx="1">
+            <a:schemeClr val="accent1"/>
+          </a:lnRef>
+          <a:fillRef idx="0">
+            <a:schemeClr val="accent1"/>
+          </a:fillRef>
+          <a:effectRef idx="0">
+            <a:schemeClr val="accent1"/>
+          </a:effectRef>
+          <a:fontRef idx="minor">
+            <a:schemeClr val="tx1"/>
+          </a:fontRef>
+        </p:style>
+      </p:cxnSp>
+      <p:cxnSp>
+        <p:nvCxnSpPr>
+          <p:cNvPr id="22" name="Connettore a gomito 21">
+            <a:extLst>
+              <a:ext uri="{FF2B5EF4-FFF2-40B4-BE49-F238E27FC236}">
+                <a16:creationId xmlns:a16="http://schemas.microsoft.com/office/drawing/2014/main" id="{1C8352C9-ED0A-4133-982E-741886A5D4E7}"/>
               </a:ext>
             </a:extLst>
           </p:cNvPr>
@@ -4119,7 +4072,46 @@
         </p:nvCxnSpPr>
         <p:spPr>
           <a:xfrm>
-            <a:off x="5324763" y="5606115"/>
+            <a:off x="5200061" y="5043055"/>
+            <a:ext cx="743533" cy="387902"/>
+          </a:xfrm>
+          <a:prstGeom prst="bentConnector3">
+            <a:avLst/>
+          </a:prstGeom>
+          <a:ln>
+            <a:tailEnd type="triangle"/>
+          </a:ln>
+        </p:spPr>
+        <p:style>
+          <a:lnRef idx="1">
+            <a:schemeClr val="accent1"/>
+          </a:lnRef>
+          <a:fillRef idx="0">
+            <a:schemeClr val="accent1"/>
+          </a:fillRef>
+          <a:effectRef idx="0">
+            <a:schemeClr val="accent1"/>
+          </a:effectRef>
+          <a:fontRef idx="minor">
+            <a:schemeClr val="tx1"/>
+          </a:fontRef>
+        </p:style>
+      </p:cxnSp>
+      <p:cxnSp>
+        <p:nvCxnSpPr>
+          <p:cNvPr id="24" name="Connettore 2 23">
+            <a:extLst>
+              <a:ext uri="{FF2B5EF4-FFF2-40B4-BE49-F238E27FC236}">
+                <a16:creationId xmlns:a16="http://schemas.microsoft.com/office/drawing/2014/main" id="{C020D7D9-8D3D-4286-8357-F2B4CDD4B8E0}"/>
+              </a:ext>
+            </a:extLst>
+          </p:cNvPr>
+          <p:cNvCxnSpPr/>
+          <p:nvPr/>
+        </p:nvCxnSpPr>
+        <p:spPr>
+          <a:xfrm>
+            <a:off x="2641600" y="1921234"/>
             <a:ext cx="577264" cy="0"/>
           </a:xfrm>
           <a:prstGeom prst="straightConnector1">
@@ -4146,10 +4138,10 @@
       </p:cxnSp>
       <p:cxnSp>
         <p:nvCxnSpPr>
-          <p:cNvPr id="19" name="Connettore 2 18">
-            <a:extLst>
-              <a:ext uri="{FF2B5EF4-FFF2-40B4-BE49-F238E27FC236}">
-                <a16:creationId xmlns:a16="http://schemas.microsoft.com/office/drawing/2014/main" id="{EA6C7778-6B05-4F2E-A7CE-DD9EFD054CD7}"/>
+          <p:cNvPr id="28" name="Connettore 2 27">
+            <a:extLst>
+              <a:ext uri="{FF2B5EF4-FFF2-40B4-BE49-F238E27FC236}">
+                <a16:creationId xmlns:a16="http://schemas.microsoft.com/office/drawing/2014/main" id="{10D882ED-76AF-4082-B448-5621DC516CA9}"/>
               </a:ext>
             </a:extLst>
           </p:cNvPr>
@@ -4158,8 +4150,8 @@
         </p:nvCxnSpPr>
         <p:spPr>
           <a:xfrm>
-            <a:off x="8031018" y="5883566"/>
-            <a:ext cx="577264" cy="0"/>
+            <a:off x="5209287" y="1791855"/>
+            <a:ext cx="1856531" cy="0"/>
           </a:xfrm>
           <a:prstGeom prst="straightConnector1">
             <a:avLst/>
@@ -4185,10 +4177,10 @@
       </p:cxnSp>
       <p:cxnSp>
         <p:nvCxnSpPr>
-          <p:cNvPr id="20" name="Connettore 2 19">
-            <a:extLst>
-              <a:ext uri="{FF2B5EF4-FFF2-40B4-BE49-F238E27FC236}">
-                <a16:creationId xmlns:a16="http://schemas.microsoft.com/office/drawing/2014/main" id="{C321B48C-F7B2-4E81-A053-F728728A8E01}"/>
+          <p:cNvPr id="31" name="Connettore diritto 30">
+            <a:extLst>
+              <a:ext uri="{FF2B5EF4-FFF2-40B4-BE49-F238E27FC236}">
+                <a16:creationId xmlns:a16="http://schemas.microsoft.com/office/drawing/2014/main" id="{4F029449-C580-423D-8895-2122416DEDE3}"/>
               </a:ext>
             </a:extLst>
           </p:cNvPr>
@@ -4197,15 +4189,12 @@
         </p:nvCxnSpPr>
         <p:spPr>
           <a:xfrm>
-            <a:off x="2558473" y="3687621"/>
-            <a:ext cx="577264" cy="0"/>
+            <a:off x="7878618" y="4470400"/>
+            <a:ext cx="207797" cy="0"/>
           </a:xfrm>
-          <a:prstGeom prst="straightConnector1">
+          <a:prstGeom prst="line">
             <a:avLst/>
           </a:prstGeom>
-          <a:ln>
-            <a:tailEnd type="triangle"/>
-          </a:ln>
         </p:spPr>
         <p:style>
           <a:lnRef idx="1">
@@ -4224,29 +4213,24 @@
       </p:cxnSp>
       <p:cxnSp>
         <p:nvCxnSpPr>
-          <p:cNvPr id="21" name="Connettore 2 20">
-            <a:extLst>
-              <a:ext uri="{FF2B5EF4-FFF2-40B4-BE49-F238E27FC236}">
-                <a16:creationId xmlns:a16="http://schemas.microsoft.com/office/drawing/2014/main" id="{A5CAB46E-0DBF-43BF-B225-4EE8B858908B}"/>
-              </a:ext>
-            </a:extLst>
-          </p:cNvPr>
-          <p:cNvCxnSpPr>
-            <a:cxnSpLocks/>
-          </p:cNvCxnSpPr>
+          <p:cNvPr id="33" name="Connettore diritto 32">
+            <a:extLst>
+              <a:ext uri="{FF2B5EF4-FFF2-40B4-BE49-F238E27FC236}">
+                <a16:creationId xmlns:a16="http://schemas.microsoft.com/office/drawing/2014/main" id="{1CED0A8C-FDD0-4A56-84B8-660D375DECC6}"/>
+              </a:ext>
+            </a:extLst>
+          </p:cNvPr>
+          <p:cNvCxnSpPr/>
           <p:nvPr/>
         </p:nvCxnSpPr>
         <p:spPr>
-          <a:xfrm>
-            <a:off x="8539012" y="1916569"/>
-            <a:ext cx="1014837" cy="0"/>
+          <a:xfrm flipV="1">
+            <a:off x="8086415" y="3713018"/>
+            <a:ext cx="0" cy="757382"/>
           </a:xfrm>
-          <a:prstGeom prst="straightConnector1">
+          <a:prstGeom prst="line">
             <a:avLst/>
           </a:prstGeom>
-          <a:ln>
-            <a:tailEnd type="triangle"/>
-          </a:ln>
         </p:spPr>
         <p:style>
           <a:lnRef idx="1">
@@ -4265,31 +4249,24 @@
       </p:cxnSp>
       <p:cxnSp>
         <p:nvCxnSpPr>
-          <p:cNvPr id="37" name="Connettore a gomito 36">
-            <a:extLst>
-              <a:ext uri="{FF2B5EF4-FFF2-40B4-BE49-F238E27FC236}">
-                <a16:creationId xmlns:a16="http://schemas.microsoft.com/office/drawing/2014/main" id="{A0C26CB0-29F9-4C35-BDBE-07EFA40A3E9F}"/>
-              </a:ext>
-            </a:extLst>
-          </p:cNvPr>
-          <p:cNvCxnSpPr>
-            <a:cxnSpLocks/>
-          </p:cNvCxnSpPr>
+          <p:cNvPr id="35" name="Connettore diritto 34">
+            <a:extLst>
+              <a:ext uri="{FF2B5EF4-FFF2-40B4-BE49-F238E27FC236}">
+                <a16:creationId xmlns:a16="http://schemas.microsoft.com/office/drawing/2014/main" id="{B08F8980-B488-43A1-AF4C-4F03E447FFF8}"/>
+              </a:ext>
+            </a:extLst>
+          </p:cNvPr>
+          <p:cNvCxnSpPr/>
           <p:nvPr/>
         </p:nvCxnSpPr>
         <p:spPr>
-          <a:xfrm>
-            <a:off x="5269345" y="1427043"/>
-            <a:ext cx="1293068" cy="369455"/>
+          <a:xfrm flipH="1">
+            <a:off x="6622463" y="3722255"/>
+            <a:ext cx="1463952" cy="0"/>
           </a:xfrm>
-          <a:prstGeom prst="bentConnector3">
-            <a:avLst>
-              <a:gd name="adj1" fmla="val 21428"/>
-            </a:avLst>
+          <a:prstGeom prst="line">
+            <a:avLst/>
           </a:prstGeom>
-          <a:ln>
-            <a:tailEnd type="triangle"/>
-          </a:ln>
         </p:spPr>
         <p:style>
           <a:lnRef idx="1">
@@ -4308,31 +4285,24 @@
       </p:cxnSp>
       <p:cxnSp>
         <p:nvCxnSpPr>
-          <p:cNvPr id="39" name="Connettore a gomito 38">
-            <a:extLst>
-              <a:ext uri="{FF2B5EF4-FFF2-40B4-BE49-F238E27FC236}">
-                <a16:creationId xmlns:a16="http://schemas.microsoft.com/office/drawing/2014/main" id="{23A5048B-0E78-408D-B8BF-F62F74754CFF}"/>
-              </a:ext>
-            </a:extLst>
-          </p:cNvPr>
-          <p:cNvCxnSpPr>
-            <a:cxnSpLocks/>
-          </p:cNvCxnSpPr>
+          <p:cNvPr id="38" name="Connettore diritto 37">
+            <a:extLst>
+              <a:ext uri="{FF2B5EF4-FFF2-40B4-BE49-F238E27FC236}">
+                <a16:creationId xmlns:a16="http://schemas.microsoft.com/office/drawing/2014/main" id="{9BB6D21F-1474-44CB-92BD-AD2544399C8F}"/>
+              </a:ext>
+            </a:extLst>
+          </p:cNvPr>
+          <p:cNvCxnSpPr/>
           <p:nvPr/>
         </p:nvCxnSpPr>
         <p:spPr>
           <a:xfrm flipV="1">
-            <a:off x="5209287" y="2092060"/>
-            <a:ext cx="1368143" cy="369454"/>
+            <a:off x="6622463" y="2877150"/>
+            <a:ext cx="0" cy="835868"/>
           </a:xfrm>
-          <a:prstGeom prst="bentConnector3">
-            <a:avLst>
-              <a:gd name="adj1" fmla="val 22321"/>
-            </a:avLst>
+          <a:prstGeom prst="line">
+            <a:avLst/>
           </a:prstGeom>
-          <a:ln>
-            <a:tailEnd type="triangle"/>
-          </a:ln>
         </p:spPr>
         <p:style>
           <a:lnRef idx="1">
@@ -4351,200 +4321,10 @@
       </p:cxnSp>
       <p:cxnSp>
         <p:nvCxnSpPr>
-          <p:cNvPr id="41" name="Connettore a gomito 40">
-            <a:extLst>
-              <a:ext uri="{FF2B5EF4-FFF2-40B4-BE49-F238E27FC236}">
-                <a16:creationId xmlns:a16="http://schemas.microsoft.com/office/drawing/2014/main" id="{FA04191A-C095-4305-9D9F-E98703346CC2}"/>
-              </a:ext>
-            </a:extLst>
-          </p:cNvPr>
-          <p:cNvCxnSpPr/>
-          <p:nvPr/>
-        </p:nvCxnSpPr>
-        <p:spPr>
-          <a:xfrm flipV="1">
-            <a:off x="2641600" y="1547115"/>
-            <a:ext cx="665022" cy="249383"/>
-          </a:xfrm>
-          <a:prstGeom prst="bentConnector3">
-            <a:avLst/>
-          </a:prstGeom>
-          <a:ln>
-            <a:tailEnd type="triangle"/>
-          </a:ln>
-        </p:spPr>
-        <p:style>
-          <a:lnRef idx="1">
-            <a:schemeClr val="accent1"/>
-          </a:lnRef>
-          <a:fillRef idx="0">
-            <a:schemeClr val="accent1"/>
-          </a:fillRef>
-          <a:effectRef idx="0">
-            <a:schemeClr val="accent1"/>
-          </a:effectRef>
-          <a:fontRef idx="minor">
-            <a:schemeClr val="tx1"/>
-          </a:fontRef>
-        </p:style>
-      </p:cxnSp>
-      <p:cxnSp>
-        <p:nvCxnSpPr>
-          <p:cNvPr id="43" name="Connettore a gomito 42">
-            <a:extLst>
-              <a:ext uri="{FF2B5EF4-FFF2-40B4-BE49-F238E27FC236}">
-                <a16:creationId xmlns:a16="http://schemas.microsoft.com/office/drawing/2014/main" id="{D313C7BF-20A3-4D37-BA85-2B3E06628B00}"/>
-              </a:ext>
-            </a:extLst>
-          </p:cNvPr>
-          <p:cNvCxnSpPr>
-            <a:cxnSpLocks/>
-          </p:cNvCxnSpPr>
-          <p:nvPr/>
-        </p:nvCxnSpPr>
-        <p:spPr>
-          <a:xfrm>
-            <a:off x="2625425" y="2064348"/>
-            <a:ext cx="718133" cy="235515"/>
-          </a:xfrm>
-          <a:prstGeom prst="bentConnector3">
-            <a:avLst/>
-          </a:prstGeom>
-          <a:ln>
-            <a:tailEnd type="triangle"/>
-          </a:ln>
-        </p:spPr>
-        <p:style>
-          <a:lnRef idx="1">
-            <a:schemeClr val="accent1"/>
-          </a:lnRef>
-          <a:fillRef idx="0">
-            <a:schemeClr val="accent1"/>
-          </a:fillRef>
-          <a:effectRef idx="0">
-            <a:schemeClr val="accent1"/>
-          </a:effectRef>
-          <a:fontRef idx="minor">
-            <a:schemeClr val="tx1"/>
-          </a:fontRef>
-        </p:style>
-      </p:cxnSp>
-      <p:cxnSp>
-        <p:nvCxnSpPr>
-          <p:cNvPr id="61" name="Connettore diritto 60">
-            <a:extLst>
-              <a:ext uri="{FF2B5EF4-FFF2-40B4-BE49-F238E27FC236}">
-                <a16:creationId xmlns:a16="http://schemas.microsoft.com/office/drawing/2014/main" id="{3A635878-C681-48B3-B536-0ABACAA46CA9}"/>
-              </a:ext>
-            </a:extLst>
-          </p:cNvPr>
-          <p:cNvCxnSpPr/>
-          <p:nvPr/>
-        </p:nvCxnSpPr>
-        <p:spPr>
-          <a:xfrm>
-            <a:off x="8031018" y="5569539"/>
-            <a:ext cx="288632" cy="0"/>
-          </a:xfrm>
-          <a:prstGeom prst="line">
-            <a:avLst/>
-          </a:prstGeom>
-        </p:spPr>
-        <p:style>
-          <a:lnRef idx="1">
-            <a:schemeClr val="accent1"/>
-          </a:lnRef>
-          <a:fillRef idx="0">
-            <a:schemeClr val="accent1"/>
-          </a:fillRef>
-          <a:effectRef idx="0">
-            <a:schemeClr val="accent1"/>
-          </a:effectRef>
-          <a:fontRef idx="minor">
-            <a:schemeClr val="tx1"/>
-          </a:fontRef>
-        </p:style>
-      </p:cxnSp>
-      <p:cxnSp>
-        <p:nvCxnSpPr>
-          <p:cNvPr id="63" name="Connettore diritto 62">
-            <a:extLst>
-              <a:ext uri="{FF2B5EF4-FFF2-40B4-BE49-F238E27FC236}">
-                <a16:creationId xmlns:a16="http://schemas.microsoft.com/office/drawing/2014/main" id="{E701FD88-82B5-4391-BDEA-784BC8745BF2}"/>
-              </a:ext>
-            </a:extLst>
-          </p:cNvPr>
-          <p:cNvCxnSpPr/>
-          <p:nvPr/>
-        </p:nvCxnSpPr>
-        <p:spPr>
-          <a:xfrm flipV="1">
-            <a:off x="8319650" y="4655127"/>
-            <a:ext cx="0" cy="914412"/>
-          </a:xfrm>
-          <a:prstGeom prst="line">
-            <a:avLst/>
-          </a:prstGeom>
-        </p:spPr>
-        <p:style>
-          <a:lnRef idx="1">
-            <a:schemeClr val="accent1"/>
-          </a:lnRef>
-          <a:fillRef idx="0">
-            <a:schemeClr val="accent1"/>
-          </a:fillRef>
-          <a:effectRef idx="0">
-            <a:schemeClr val="accent1"/>
-          </a:effectRef>
-          <a:fontRef idx="minor">
-            <a:schemeClr val="tx1"/>
-          </a:fontRef>
-        </p:style>
-      </p:cxnSp>
-      <p:cxnSp>
-        <p:nvCxnSpPr>
-          <p:cNvPr id="65" name="Connettore diritto 64">
-            <a:extLst>
-              <a:ext uri="{FF2B5EF4-FFF2-40B4-BE49-F238E27FC236}">
-                <a16:creationId xmlns:a16="http://schemas.microsoft.com/office/drawing/2014/main" id="{90E186AE-37C3-4A49-8418-93EE5561F74C}"/>
-              </a:ext>
-            </a:extLst>
-          </p:cNvPr>
-          <p:cNvCxnSpPr>
-            <a:cxnSpLocks/>
-          </p:cNvCxnSpPr>
-          <p:nvPr/>
-        </p:nvCxnSpPr>
-        <p:spPr>
-          <a:xfrm flipH="1">
-            <a:off x="6132938" y="4655127"/>
-            <a:ext cx="2186714" cy="0"/>
-          </a:xfrm>
-          <a:prstGeom prst="line">
-            <a:avLst/>
-          </a:prstGeom>
-        </p:spPr>
-        <p:style>
-          <a:lnRef idx="1">
-            <a:schemeClr val="accent1"/>
-          </a:lnRef>
-          <a:fillRef idx="0">
-            <a:schemeClr val="accent1"/>
-          </a:fillRef>
-          <a:effectRef idx="0">
-            <a:schemeClr val="accent1"/>
-          </a:effectRef>
-          <a:fontRef idx="minor">
-            <a:schemeClr val="tx1"/>
-          </a:fontRef>
-        </p:style>
-      </p:cxnSp>
-      <p:cxnSp>
-        <p:nvCxnSpPr>
-          <p:cNvPr id="69" name="Connettore 2 68">
-            <a:extLst>
-              <a:ext uri="{FF2B5EF4-FFF2-40B4-BE49-F238E27FC236}">
-                <a16:creationId xmlns:a16="http://schemas.microsoft.com/office/drawing/2014/main" id="{AE268D22-A010-46FF-A007-44683322099F}"/>
+          <p:cNvPr id="42" name="Connettore 2 41">
+            <a:extLst>
+              <a:ext uri="{FF2B5EF4-FFF2-40B4-BE49-F238E27FC236}">
+                <a16:creationId xmlns:a16="http://schemas.microsoft.com/office/drawing/2014/main" id="{DFB91D9B-4500-4D4F-8727-C2F739AF1478}"/>
               </a:ext>
             </a:extLst>
           </p:cNvPr>
@@ -4555,420 +4335,8 @@
         </p:nvCxnSpPr>
         <p:spPr>
           <a:xfrm flipV="1">
-            <a:off x="6147939" y="2431499"/>
-            <a:ext cx="0" cy="2237143"/>
-          </a:xfrm>
-          <a:prstGeom prst="straightConnector1">
-            <a:avLst/>
-          </a:prstGeom>
-          <a:ln>
-            <a:tailEnd type="triangle"/>
-          </a:ln>
-        </p:spPr>
-        <p:style>
-          <a:lnRef idx="1">
-            <a:schemeClr val="accent1"/>
-          </a:lnRef>
-          <a:fillRef idx="0">
-            <a:schemeClr val="accent1"/>
-          </a:fillRef>
-          <a:effectRef idx="0">
-            <a:schemeClr val="accent1"/>
-          </a:effectRef>
-          <a:fontRef idx="minor">
-            <a:schemeClr val="tx1"/>
-          </a:fontRef>
-        </p:style>
-      </p:cxnSp>
-      <p:cxnSp>
-        <p:nvCxnSpPr>
-          <p:cNvPr id="78" name="Connettore diritto 77">
-            <a:extLst>
-              <a:ext uri="{FF2B5EF4-FFF2-40B4-BE49-F238E27FC236}">
-                <a16:creationId xmlns:a16="http://schemas.microsoft.com/office/drawing/2014/main" id="{263AC1A9-F7DD-4AF2-B8BD-1EFC94331CA2}"/>
-              </a:ext>
-            </a:extLst>
-          </p:cNvPr>
-          <p:cNvCxnSpPr>
-            <a:cxnSpLocks/>
-          </p:cNvCxnSpPr>
-          <p:nvPr/>
-        </p:nvCxnSpPr>
-        <p:spPr>
-          <a:xfrm>
-            <a:off x="11476551" y="3398546"/>
-            <a:ext cx="207449" cy="0"/>
-          </a:xfrm>
-          <a:prstGeom prst="line">
-            <a:avLst/>
-          </a:prstGeom>
-        </p:spPr>
-        <p:style>
-          <a:lnRef idx="1">
-            <a:schemeClr val="accent1"/>
-          </a:lnRef>
-          <a:fillRef idx="0">
-            <a:schemeClr val="accent1"/>
-          </a:fillRef>
-          <a:effectRef idx="0">
-            <a:schemeClr val="accent1"/>
-          </a:effectRef>
-          <a:fontRef idx="minor">
-            <a:schemeClr val="tx1"/>
-          </a:fontRef>
-        </p:style>
-      </p:cxnSp>
-      <p:cxnSp>
-        <p:nvCxnSpPr>
-          <p:cNvPr id="82" name="Connettore diritto 81">
-            <a:extLst>
-              <a:ext uri="{FF2B5EF4-FFF2-40B4-BE49-F238E27FC236}">
-                <a16:creationId xmlns:a16="http://schemas.microsoft.com/office/drawing/2014/main" id="{7AB3AAEC-10C6-4B4F-B2CF-92B900118B94}"/>
-              </a:ext>
-            </a:extLst>
-          </p:cNvPr>
-          <p:cNvCxnSpPr>
-            <a:cxnSpLocks/>
-          </p:cNvCxnSpPr>
-          <p:nvPr/>
-        </p:nvCxnSpPr>
-        <p:spPr>
-          <a:xfrm>
-            <a:off x="11684000" y="3398546"/>
-            <a:ext cx="0" cy="2993018"/>
-          </a:xfrm>
-          <a:prstGeom prst="line">
-            <a:avLst/>
-          </a:prstGeom>
-        </p:spPr>
-        <p:style>
-          <a:lnRef idx="1">
-            <a:schemeClr val="accent1"/>
-          </a:lnRef>
-          <a:fillRef idx="0">
-            <a:schemeClr val="accent1"/>
-          </a:fillRef>
-          <a:effectRef idx="0">
-            <a:schemeClr val="accent1"/>
-          </a:effectRef>
-          <a:fontRef idx="minor">
-            <a:schemeClr val="tx1"/>
-          </a:fontRef>
-        </p:style>
-      </p:cxnSp>
-      <p:cxnSp>
-        <p:nvCxnSpPr>
-          <p:cNvPr id="84" name="Connettore diritto 83">
-            <a:extLst>
-              <a:ext uri="{FF2B5EF4-FFF2-40B4-BE49-F238E27FC236}">
-                <a16:creationId xmlns:a16="http://schemas.microsoft.com/office/drawing/2014/main" id="{DC339864-1DC4-4DA3-A364-8D1649AF31F2}"/>
-              </a:ext>
-            </a:extLst>
-          </p:cNvPr>
-          <p:cNvCxnSpPr/>
-          <p:nvPr/>
-        </p:nvCxnSpPr>
-        <p:spPr>
-          <a:xfrm flipH="1">
-            <a:off x="5422892" y="6391564"/>
-            <a:ext cx="6261108" cy="0"/>
-          </a:xfrm>
-          <a:prstGeom prst="line">
-            <a:avLst/>
-          </a:prstGeom>
-        </p:spPr>
-        <p:style>
-          <a:lnRef idx="1">
-            <a:schemeClr val="accent1"/>
-          </a:lnRef>
-          <a:fillRef idx="0">
-            <a:schemeClr val="accent1"/>
-          </a:fillRef>
-          <a:effectRef idx="0">
-            <a:schemeClr val="accent1"/>
-          </a:effectRef>
-          <a:fontRef idx="minor">
-            <a:schemeClr val="tx1"/>
-          </a:fontRef>
-        </p:style>
-      </p:cxnSp>
-      <p:cxnSp>
-        <p:nvCxnSpPr>
-          <p:cNvPr id="86" name="Connettore diritto 85">
-            <a:extLst>
-              <a:ext uri="{FF2B5EF4-FFF2-40B4-BE49-F238E27FC236}">
-                <a16:creationId xmlns:a16="http://schemas.microsoft.com/office/drawing/2014/main" id="{A7585E02-2F2A-42DB-90C9-32390C3E005E}"/>
-              </a:ext>
-            </a:extLst>
-          </p:cNvPr>
-          <p:cNvCxnSpPr/>
-          <p:nvPr/>
-        </p:nvCxnSpPr>
-        <p:spPr>
-          <a:xfrm flipV="1">
-            <a:off x="5422892" y="5883566"/>
-            <a:ext cx="0" cy="507998"/>
-          </a:xfrm>
-          <a:prstGeom prst="line">
-            <a:avLst/>
-          </a:prstGeom>
-        </p:spPr>
-        <p:style>
-          <a:lnRef idx="1">
-            <a:schemeClr val="accent1"/>
-          </a:lnRef>
-          <a:fillRef idx="0">
-            <a:schemeClr val="accent1"/>
-          </a:fillRef>
-          <a:effectRef idx="0">
-            <a:schemeClr val="accent1"/>
-          </a:effectRef>
-          <a:fontRef idx="minor">
-            <a:schemeClr val="tx1"/>
-          </a:fontRef>
-        </p:style>
-      </p:cxnSp>
-      <p:cxnSp>
-        <p:nvCxnSpPr>
-          <p:cNvPr id="88" name="Connettore diritto 87">
-            <a:extLst>
-              <a:ext uri="{FF2B5EF4-FFF2-40B4-BE49-F238E27FC236}">
-                <a16:creationId xmlns:a16="http://schemas.microsoft.com/office/drawing/2014/main" id="{AC61AF41-F058-4365-8FFE-754760F29B2C}"/>
-              </a:ext>
-            </a:extLst>
-          </p:cNvPr>
-          <p:cNvCxnSpPr/>
-          <p:nvPr/>
-        </p:nvCxnSpPr>
-        <p:spPr>
-          <a:xfrm>
-            <a:off x="5422892" y="5883566"/>
-            <a:ext cx="189344" cy="0"/>
-          </a:xfrm>
-          <a:prstGeom prst="line">
-            <a:avLst/>
-          </a:prstGeom>
-        </p:spPr>
-        <p:style>
-          <a:lnRef idx="1">
-            <a:schemeClr val="accent1"/>
-          </a:lnRef>
-          <a:fillRef idx="0">
-            <a:schemeClr val="accent1"/>
-          </a:fillRef>
-          <a:effectRef idx="0">
-            <a:schemeClr val="accent1"/>
-          </a:effectRef>
-          <a:fontRef idx="minor">
-            <a:schemeClr val="tx1"/>
-          </a:fontRef>
-        </p:style>
-      </p:cxnSp>
-      <p:cxnSp>
-        <p:nvCxnSpPr>
-          <p:cNvPr id="90" name="Connettore 2 89">
-            <a:extLst>
-              <a:ext uri="{FF2B5EF4-FFF2-40B4-BE49-F238E27FC236}">
-                <a16:creationId xmlns:a16="http://schemas.microsoft.com/office/drawing/2014/main" id="{55296FAC-A617-47F6-9220-23EDE0B700EC}"/>
-              </a:ext>
-            </a:extLst>
-          </p:cNvPr>
-          <p:cNvCxnSpPr/>
-          <p:nvPr/>
-        </p:nvCxnSpPr>
-        <p:spPr>
-          <a:xfrm>
-            <a:off x="5612236" y="5883566"/>
-            <a:ext cx="289791" cy="0"/>
-          </a:xfrm>
-          <a:prstGeom prst="straightConnector1">
-            <a:avLst/>
-          </a:prstGeom>
-          <a:ln>
-            <a:tailEnd type="triangle"/>
-          </a:ln>
-        </p:spPr>
-        <p:style>
-          <a:lnRef idx="1">
-            <a:schemeClr val="accent1"/>
-          </a:lnRef>
-          <a:fillRef idx="0">
-            <a:schemeClr val="accent1"/>
-          </a:fillRef>
-          <a:effectRef idx="0">
-            <a:schemeClr val="accent1"/>
-          </a:effectRef>
-          <a:fontRef idx="minor">
-            <a:schemeClr val="tx1"/>
-          </a:fontRef>
-        </p:style>
-      </p:cxnSp>
-      <p:cxnSp>
-        <p:nvCxnSpPr>
-          <p:cNvPr id="105" name="Connettore diritto 104">
-            <a:extLst>
-              <a:ext uri="{FF2B5EF4-FFF2-40B4-BE49-F238E27FC236}">
-                <a16:creationId xmlns:a16="http://schemas.microsoft.com/office/drawing/2014/main" id="{A2B42877-BB07-4651-828B-C1AB94BD5DA5}"/>
-              </a:ext>
-            </a:extLst>
-          </p:cNvPr>
-          <p:cNvCxnSpPr>
-            <a:cxnSpLocks/>
-          </p:cNvCxnSpPr>
-          <p:nvPr/>
-        </p:nvCxnSpPr>
-        <p:spPr>
-          <a:xfrm>
-            <a:off x="5480614" y="3826193"/>
-            <a:ext cx="276517" cy="0"/>
-          </a:xfrm>
-          <a:prstGeom prst="line">
-            <a:avLst/>
-          </a:prstGeom>
-        </p:spPr>
-        <p:style>
-          <a:lnRef idx="1">
-            <a:schemeClr val="accent1"/>
-          </a:lnRef>
-          <a:fillRef idx="0">
-            <a:schemeClr val="accent1"/>
-          </a:fillRef>
-          <a:effectRef idx="0">
-            <a:schemeClr val="accent1"/>
-          </a:effectRef>
-          <a:fontRef idx="minor">
-            <a:schemeClr val="tx1"/>
-          </a:fontRef>
-        </p:style>
-      </p:cxnSp>
-      <p:cxnSp>
-        <p:nvCxnSpPr>
-          <p:cNvPr id="107" name="Connettore diritto 106">
-            <a:extLst>
-              <a:ext uri="{FF2B5EF4-FFF2-40B4-BE49-F238E27FC236}">
-                <a16:creationId xmlns:a16="http://schemas.microsoft.com/office/drawing/2014/main" id="{D4BAC95C-4F8E-4706-B396-ED8ADBC4517D}"/>
-              </a:ext>
-            </a:extLst>
-          </p:cNvPr>
-          <p:cNvCxnSpPr>
-            <a:cxnSpLocks/>
-          </p:cNvCxnSpPr>
-          <p:nvPr/>
-        </p:nvCxnSpPr>
-        <p:spPr>
-          <a:xfrm flipV="1">
-            <a:off x="5757131" y="3158836"/>
-            <a:ext cx="0" cy="667357"/>
-          </a:xfrm>
-          <a:prstGeom prst="line">
-            <a:avLst/>
-          </a:prstGeom>
-        </p:spPr>
-        <p:style>
-          <a:lnRef idx="1">
-            <a:schemeClr val="accent1"/>
-          </a:lnRef>
-          <a:fillRef idx="0">
-            <a:schemeClr val="accent1"/>
-          </a:fillRef>
-          <a:effectRef idx="0">
-            <a:schemeClr val="accent1"/>
-          </a:effectRef>
-          <a:fontRef idx="minor">
-            <a:schemeClr val="tx1"/>
-          </a:fontRef>
-        </p:style>
-      </p:cxnSp>
-      <p:cxnSp>
-        <p:nvCxnSpPr>
-          <p:cNvPr id="109" name="Connettore diritto 108">
-            <a:extLst>
-              <a:ext uri="{FF2B5EF4-FFF2-40B4-BE49-F238E27FC236}">
-                <a16:creationId xmlns:a16="http://schemas.microsoft.com/office/drawing/2014/main" id="{63CCDE58-3529-41A6-803F-E0E45AC182D6}"/>
-              </a:ext>
-            </a:extLst>
-          </p:cNvPr>
-          <p:cNvCxnSpPr/>
-          <p:nvPr/>
-        </p:nvCxnSpPr>
-        <p:spPr>
-          <a:xfrm flipH="1">
-            <a:off x="2984491" y="3158836"/>
-            <a:ext cx="2751276" cy="0"/>
-          </a:xfrm>
-          <a:prstGeom prst="line">
-            <a:avLst/>
-          </a:prstGeom>
-        </p:spPr>
-        <p:style>
-          <a:lnRef idx="1">
-            <a:schemeClr val="accent1"/>
-          </a:lnRef>
-          <a:fillRef idx="0">
-            <a:schemeClr val="accent1"/>
-          </a:fillRef>
-          <a:effectRef idx="0">
-            <a:schemeClr val="accent1"/>
-          </a:effectRef>
-          <a:fontRef idx="minor">
-            <a:schemeClr val="tx1"/>
-          </a:fontRef>
-        </p:style>
-      </p:cxnSp>
-      <p:cxnSp>
-        <p:nvCxnSpPr>
-          <p:cNvPr id="111" name="Connettore diritto 110">
-            <a:extLst>
-              <a:ext uri="{FF2B5EF4-FFF2-40B4-BE49-F238E27FC236}">
-                <a16:creationId xmlns:a16="http://schemas.microsoft.com/office/drawing/2014/main" id="{6A015C3A-403D-44F4-BFE1-A8CD53B451DD}"/>
-              </a:ext>
-            </a:extLst>
-          </p:cNvPr>
-          <p:cNvCxnSpPr>
-            <a:cxnSpLocks/>
-          </p:cNvCxnSpPr>
-          <p:nvPr/>
-        </p:nvCxnSpPr>
-        <p:spPr>
-          <a:xfrm flipV="1">
-            <a:off x="2984491" y="2669309"/>
-            <a:ext cx="0" cy="489528"/>
-          </a:xfrm>
-          <a:prstGeom prst="line">
-            <a:avLst/>
-          </a:prstGeom>
-        </p:spPr>
-        <p:style>
-          <a:lnRef idx="1">
-            <a:schemeClr val="accent1"/>
-          </a:lnRef>
-          <a:fillRef idx="0">
-            <a:schemeClr val="accent1"/>
-          </a:fillRef>
-          <a:effectRef idx="0">
-            <a:schemeClr val="accent1"/>
-          </a:effectRef>
-          <a:fontRef idx="minor">
-            <a:schemeClr val="tx1"/>
-          </a:fontRef>
-        </p:style>
-      </p:cxnSp>
-      <p:cxnSp>
-        <p:nvCxnSpPr>
-          <p:cNvPr id="113" name="Connettore 2 112">
-            <a:extLst>
-              <a:ext uri="{FF2B5EF4-FFF2-40B4-BE49-F238E27FC236}">
-                <a16:creationId xmlns:a16="http://schemas.microsoft.com/office/drawing/2014/main" id="{5710BD40-2355-41CD-BA96-0E119815C6FC}"/>
-              </a:ext>
-            </a:extLst>
-          </p:cNvPr>
-          <p:cNvCxnSpPr/>
-          <p:nvPr/>
-        </p:nvCxnSpPr>
-        <p:spPr>
-          <a:xfrm>
-            <a:off x="2974111" y="2669309"/>
-            <a:ext cx="369447" cy="0"/>
+            <a:off x="6622463" y="2438400"/>
+            <a:ext cx="0" cy="438751"/>
           </a:xfrm>
           <a:prstGeom prst="straightConnector1">
             <a:avLst/>
